--- a/Srivatsa/JSON/JSON_Presentation.pptx
+++ b/Srivatsa/JSON/JSON_Presentation.pptx
@@ -6,7 +6,7 @@
     <p:sldMasterId id="2147483698" r:id="rId2"/>
   </p:sldMasterIdLst>
   <p:notesMasterIdLst>
-    <p:notesMasterId r:id="rId16"/>
+    <p:notesMasterId r:id="rId17"/>
   </p:notesMasterIdLst>
   <p:sldIdLst>
     <p:sldId id="380" r:id="rId3"/>
@@ -15,13 +15,14 @@
     <p:sldId id="383" r:id="rId6"/>
     <p:sldId id="384" r:id="rId7"/>
     <p:sldId id="385" r:id="rId8"/>
-    <p:sldId id="386" r:id="rId9"/>
-    <p:sldId id="387" r:id="rId10"/>
-    <p:sldId id="388" r:id="rId11"/>
-    <p:sldId id="389" r:id="rId12"/>
-    <p:sldId id="390" r:id="rId13"/>
-    <p:sldId id="391" r:id="rId14"/>
-    <p:sldId id="392" r:id="rId15"/>
+    <p:sldId id="393" r:id="rId9"/>
+    <p:sldId id="386" r:id="rId10"/>
+    <p:sldId id="387" r:id="rId11"/>
+    <p:sldId id="388" r:id="rId12"/>
+    <p:sldId id="389" r:id="rId13"/>
+    <p:sldId id="390" r:id="rId14"/>
+    <p:sldId id="391" r:id="rId15"/>
+    <p:sldId id="392" r:id="rId16"/>
   </p:sldIdLst>
   <p:sldSz cx="12192000" cy="6858000"/>
   <p:notesSz cx="7104063" cy="10234613"/>
@@ -213,7 +214,7 @@
           <a:p>
             <a:fld id="{D4D51A32-8E49-420B-A036-C7D110C396A3}" type="datetimeFigureOut">
               <a:rPr lang="de-DE" smtClean="0"/>
-              <a:t>14.05.2020</a:t>
+              <a:t>15.05.2020</a:t>
             </a:fld>
             <a:endParaRPr lang="de-DE"/>
           </a:p>
@@ -17761,7 +17762,7 @@
                   </a:prstClr>
                 </a:solidFill>
               </a:rPr>
-              <a:t>14.05.2020</a:t>
+              <a:t>15.05.2020</a:t>
             </a:fld>
             <a:endParaRPr lang="de-DE">
               <a:solidFill>
@@ -18485,7 +18486,7 @@
                   </a:prstClr>
                 </a:solidFill>
               </a:rPr>
-              <a:t>14.05.2020</a:t>
+              <a:t>15.05.2020</a:t>
             </a:fld>
             <a:endParaRPr lang="de-DE" sz="1200" dirty="0">
               <a:solidFill>
@@ -19005,7 +19006,7 @@
                   </a:prstClr>
                 </a:solidFill>
               </a:rPr>
-              <a:t>14.05.2020</a:t>
+              <a:t>15.05.2020</a:t>
             </a:fld>
             <a:endParaRPr lang="de-DE">
               <a:solidFill>
@@ -20250,7 +20251,7 @@
           <p:cNvPr id="2" name="Text Placeholder 1">
             <a:extLst>
               <a:ext uri="{FF2B5EF4-FFF2-40B4-BE49-F238E27FC236}">
-                <a16:creationId xmlns:a16="http://schemas.microsoft.com/office/drawing/2014/main" id="{3AD1C06B-16CA-4BA2-B802-CC9D7B7EE22B}"/>
+                <a16:creationId xmlns:a16="http://schemas.microsoft.com/office/drawing/2014/main" id="{1BE51DD1-794E-4263-91A1-531423990E61}"/>
               </a:ext>
             </a:extLst>
           </p:cNvPr>
@@ -20268,13 +20269,25 @@
           </a:bodyPr>
           <a:lstStyle/>
           <a:p>
+            <a:pPr marL="0" indent="0">
+              <a:buNone/>
+            </a:pPr>
+            <a:r>
+              <a:rPr lang="en-IN" sz="2000" dirty="0">
+                <a:latin typeface="Times New Roman" panose="02020603050405020304" pitchFamily="18" charset="0"/>
+                <a:cs typeface="Times New Roman" panose="02020603050405020304" pitchFamily="18" charset="0"/>
+              </a:rPr>
+              <a:t>There are 3 examples. They are as follows</a:t>
+            </a:r>
+          </a:p>
+          <a:p>
             <a:r>
               <a:rPr lang="en-IN" sz="2000" dirty="0">
                 <a:latin typeface="Times New Roman" panose="02020603050405020304" pitchFamily="18" charset="0"/>
                 <a:cs typeface="Times New Roman" panose="02020603050405020304" pitchFamily="18" charset="0"/>
                 <a:hlinkClick r:id="rId2"/>
               </a:rPr>
-              <a:t>JSON_Parse.cpp</a:t>
+              <a:t>test.cpp</a:t>
             </a:r>
             <a:endParaRPr lang="en-IN" sz="2000" dirty="0">
               <a:latin typeface="Times New Roman" panose="02020603050405020304" pitchFamily="18" charset="0"/>
@@ -20300,7 +20313,21 @@
                 <a:latin typeface="Times New Roman" panose="02020603050405020304" pitchFamily="18" charset="0"/>
                 <a:cs typeface="Times New Roman" panose="02020603050405020304" pitchFamily="18" charset="0"/>
               </a:rPr>
-              <a:t>In this example, the program reads a JSON string.</a:t>
+              <a:t>In this example, there is a structure called </a:t>
+            </a:r>
+            <a:r>
+              <a:rPr lang="en-IN" sz="2000" b="1" u="sng" dirty="0" err="1">
+                <a:latin typeface="Times New Roman" panose="02020603050405020304" pitchFamily="18" charset="0"/>
+                <a:cs typeface="Times New Roman" panose="02020603050405020304" pitchFamily="18" charset="0"/>
+              </a:rPr>
+              <a:t>Object_Parameter</a:t>
+            </a:r>
+            <a:r>
+              <a:rPr lang="en-IN" sz="2000" dirty="0">
+                <a:latin typeface="Times New Roman" panose="02020603050405020304" pitchFamily="18" charset="0"/>
+                <a:cs typeface="Times New Roman" panose="02020603050405020304" pitchFamily="18" charset="0"/>
+              </a:rPr>
+              <a:t>. Using cJSON library, a JSON object is created and the values are assigned to the structure.</a:t>
             </a:r>
           </a:p>
           <a:p>
@@ -20313,89 +20340,28 @@
                 <a:latin typeface="Times New Roman" panose="02020603050405020304" pitchFamily="18" charset="0"/>
                 <a:cs typeface="Times New Roman" panose="02020603050405020304" pitchFamily="18" charset="0"/>
               </a:rPr>
-              <a:t>While giving string as an input, remember to add backslash (\) in the string.  	Ex:- </a:t>
-            </a:r>
-            <a:r>
-              <a:rPr lang="en-IN" sz="1400" dirty="0" err="1"/>
-              <a:t>const</a:t>
-            </a:r>
-            <a:r>
-              <a:rPr lang="en-IN" sz="1400" dirty="0"/>
-              <a:t> char* </a:t>
-            </a:r>
-            <a:r>
-              <a:rPr lang="en-IN" sz="1400" dirty="0" err="1"/>
-              <a:t>strjson</a:t>
-            </a:r>
-            <a:r>
-              <a:rPr lang="en-IN" sz="1400" dirty="0"/>
-              <a:t> = "{\"Shape\": \"Rectangle\",\"</a:t>
-            </a:r>
-            <a:r>
-              <a:rPr lang="en-IN" sz="1400" dirty="0" err="1"/>
-              <a:t>Color</a:t>
-            </a:r>
-            <a:r>
-              <a:rPr lang="en-IN" sz="1400" dirty="0"/>
-              <a:t>\": \"Yellow\",\"Text\": \"Kempten 5KM AHEAD\”}";</a:t>
-            </a:r>
-            <a:r>
-              <a:rPr lang="en-IN" sz="1400" dirty="0">
+              <a:t> A function called </a:t>
+            </a:r>
+            <a:r>
+              <a:rPr lang="en-IN" sz="2000" b="1" u="sng" dirty="0" err="1">
+                <a:latin typeface="Times New Roman" panose="02020603050405020304" pitchFamily="18" charset="0"/>
+                <a:cs typeface="Times New Roman" panose="02020603050405020304" pitchFamily="18" charset="0"/>
+              </a:rPr>
+              <a:t>create_object</a:t>
+            </a:r>
+            <a:r>
+              <a:rPr lang="en-IN" sz="2000" b="1" u="sng" dirty="0">
                 <a:latin typeface="Times New Roman" panose="02020603050405020304" pitchFamily="18" charset="0"/>
                 <a:cs typeface="Times New Roman" panose="02020603050405020304" pitchFamily="18" charset="0"/>
               </a:rPr>
               <a:t> </a:t>
             </a:r>
-            <a:endParaRPr lang="en-IN" sz="2000" dirty="0">
-              <a:latin typeface="Times New Roman" panose="02020603050405020304" pitchFamily="18" charset="0"/>
-              <a:cs typeface="Times New Roman" panose="02020603050405020304" pitchFamily="18" charset="0"/>
-            </a:endParaRPr>
-          </a:p>
-          <a:p>
-            <a:pPr marL="514350" indent="-514350">
-              <a:buFont typeface="+mj-lt"/>
-              <a:buAutoNum type="romanUcPeriod"/>
-            </a:pPr>
             <a:r>
               <a:rPr lang="en-IN" sz="2000" dirty="0">
                 <a:latin typeface="Times New Roman" panose="02020603050405020304" pitchFamily="18" charset="0"/>
                 <a:cs typeface="Times New Roman" panose="02020603050405020304" pitchFamily="18" charset="0"/>
               </a:rPr>
-              <a:t>Using function </a:t>
-            </a:r>
-            <a:r>
-              <a:rPr lang="en-IN" sz="2000" b="1" u="sng" dirty="0" err="1">
-                <a:latin typeface="Times New Roman" panose="02020603050405020304" pitchFamily="18" charset="0"/>
-                <a:cs typeface="Times New Roman" panose="02020603050405020304" pitchFamily="18" charset="0"/>
-              </a:rPr>
-              <a:t>GetObjectItemCaseSensitive</a:t>
-            </a:r>
-            <a:r>
-              <a:rPr lang="en-IN" sz="2000" b="1" u="sng" dirty="0">
-                <a:latin typeface="Times New Roman" panose="02020603050405020304" pitchFamily="18" charset="0"/>
-                <a:cs typeface="Times New Roman" panose="02020603050405020304" pitchFamily="18" charset="0"/>
-              </a:rPr>
-              <a:t>,</a:t>
-            </a:r>
-            <a:r>
-              <a:rPr lang="en-IN" sz="2000" dirty="0">
-                <a:latin typeface="Times New Roman" panose="02020603050405020304" pitchFamily="18" charset="0"/>
-                <a:cs typeface="Times New Roman" panose="02020603050405020304" pitchFamily="18" charset="0"/>
-              </a:rPr>
-              <a:t> we can access the data present in the string. </a:t>
-            </a:r>
-          </a:p>
-          <a:p>
-            <a:pPr marL="514350" indent="-514350">
-              <a:buFont typeface="+mj-lt"/>
-              <a:buAutoNum type="romanUcPeriod"/>
-            </a:pPr>
-            <a:r>
-              <a:rPr lang="en-IN" sz="2000" dirty="0">
-                <a:latin typeface="Times New Roman" panose="02020603050405020304" pitchFamily="18" charset="0"/>
-                <a:cs typeface="Times New Roman" panose="02020603050405020304" pitchFamily="18" charset="0"/>
-              </a:rPr>
-              <a:t>All necessary data (values) can be obtained.</a:t>
+              <a:t>is used in this case.</a:t>
             </a:r>
           </a:p>
           <a:p>
@@ -20437,26 +20403,14 @@
               <a:t>This file cannot be from command window (Although can be edited to run on command window).</a:t>
             </a:r>
           </a:p>
-          <a:p>
-            <a:pPr marL="0" indent="0">
-              <a:buNone/>
-            </a:pPr>
-            <a:endParaRPr lang="en-IN" dirty="0"/>
-          </a:p>
-          <a:p>
-            <a:pPr marL="0" indent="0">
-              <a:buNone/>
-            </a:pPr>
-            <a:endParaRPr lang="en-IN" dirty="0"/>
-          </a:p>
-        </p:txBody>
-      </p:sp>
-      <p:sp>
-        <p:nvSpPr>
-          <p:cNvPr id="5" name="Text Placeholder 2">
+        </p:txBody>
+      </p:sp>
+      <p:sp>
+        <p:nvSpPr>
+          <p:cNvPr id="3" name="Text Placeholder 2">
             <a:extLst>
               <a:ext uri="{FF2B5EF4-FFF2-40B4-BE49-F238E27FC236}">
-                <a16:creationId xmlns:a16="http://schemas.microsoft.com/office/drawing/2014/main" id="{C88CCF4B-CACA-4CE4-82B7-5EB8D329710E}"/>
+                <a16:creationId xmlns:a16="http://schemas.microsoft.com/office/drawing/2014/main" id="{332C47DB-C3B1-4F6E-A017-0B11B54A9468}"/>
               </a:ext>
             </a:extLst>
           </p:cNvPr>
@@ -20467,12 +20421,7 @@
             <p:ph type="body" sz="quarter" idx="20"/>
           </p:nvPr>
         </p:nvSpPr>
-        <p:spPr>
-          <a:xfrm>
-            <a:off x="2185989" y="184522"/>
-            <a:ext cx="9374187" cy="587375"/>
-          </a:xfrm>
-        </p:spPr>
+        <p:spPr/>
         <p:txBody>
           <a:bodyPr>
             <a:normAutofit fontScale="25000" lnSpcReduction="20000"/>
@@ -20495,7 +20444,7 @@
     </p:spTree>
     <p:extLst>
       <p:ext uri="{BB962C8B-B14F-4D97-AF65-F5344CB8AC3E}">
-        <p14:creationId xmlns:p14="http://schemas.microsoft.com/office/powerpoint/2010/main" val="4151773065"/>
+        <p14:creationId xmlns:p14="http://schemas.microsoft.com/office/powerpoint/2010/main" val="812429252"/>
       </p:ext>
     </p:extLst>
   </p:cSld>
@@ -20527,7 +20476,7 @@
           <p:cNvPr id="2" name="Text Placeholder 1">
             <a:extLst>
               <a:ext uri="{FF2B5EF4-FFF2-40B4-BE49-F238E27FC236}">
-                <a16:creationId xmlns:a16="http://schemas.microsoft.com/office/drawing/2014/main" id="{11CB568E-E301-4DA3-B26D-9B6ED7D3B2EF}"/>
+                <a16:creationId xmlns:a16="http://schemas.microsoft.com/office/drawing/2014/main" id="{3AD1C06B-16CA-4BA2-B802-CC9D7B7EE22B}"/>
               </a:ext>
             </a:extLst>
           </p:cNvPr>
@@ -20551,7 +20500,7 @@
                 <a:cs typeface="Times New Roman" panose="02020603050405020304" pitchFamily="18" charset="0"/>
                 <a:hlinkClick r:id="rId2"/>
               </a:rPr>
-              <a:t>JSON_parse_file_read.cpp</a:t>
+              <a:t>JSON_Parse.cpp</a:t>
             </a:r>
             <a:endParaRPr lang="en-IN" sz="2000" dirty="0">
               <a:latin typeface="Times New Roman" panose="02020603050405020304" pitchFamily="18" charset="0"/>
@@ -20577,7 +20526,7 @@
                 <a:latin typeface="Times New Roman" panose="02020603050405020304" pitchFamily="18" charset="0"/>
                 <a:cs typeface="Times New Roman" panose="02020603050405020304" pitchFamily="18" charset="0"/>
               </a:rPr>
-              <a:t>In this example, two functions namely LKAS and ACC are created.</a:t>
+              <a:t>In this example, the program reads a JSON string.</a:t>
             </a:r>
           </a:p>
           <a:p>
@@ -20590,8 +20539,43 @@
                 <a:latin typeface="Times New Roman" panose="02020603050405020304" pitchFamily="18" charset="0"/>
                 <a:cs typeface="Times New Roman" panose="02020603050405020304" pitchFamily="18" charset="0"/>
               </a:rPr>
-              <a:t>The code asks for a json file which reads and displays the necessary parameter needed. </a:t>
-            </a:r>
+              <a:t>While giving string as an input, remember to add backslash (\) in the string.  	Ex:- </a:t>
+            </a:r>
+            <a:r>
+              <a:rPr lang="en-IN" sz="1400" dirty="0" err="1"/>
+              <a:t>const</a:t>
+            </a:r>
+            <a:r>
+              <a:rPr lang="en-IN" sz="1400" dirty="0"/>
+              <a:t> char* </a:t>
+            </a:r>
+            <a:r>
+              <a:rPr lang="en-IN" sz="1400" dirty="0" err="1"/>
+              <a:t>strjson</a:t>
+            </a:r>
+            <a:r>
+              <a:rPr lang="en-IN" sz="1400" dirty="0"/>
+              <a:t> = "{\"Shape\": \"Rectangle\",\"</a:t>
+            </a:r>
+            <a:r>
+              <a:rPr lang="en-IN" sz="1400" dirty="0" err="1"/>
+              <a:t>Color</a:t>
+            </a:r>
+            <a:r>
+              <a:rPr lang="en-IN" sz="1400" dirty="0"/>
+              <a:t>\": \"Yellow\",\"Text\": \"Kempten 5KM AHEAD\”}";</a:t>
+            </a:r>
+            <a:r>
+              <a:rPr lang="en-IN" sz="1400" dirty="0">
+                <a:latin typeface="Times New Roman" panose="02020603050405020304" pitchFamily="18" charset="0"/>
+                <a:cs typeface="Times New Roman" panose="02020603050405020304" pitchFamily="18" charset="0"/>
+              </a:rPr>
+              <a:t> </a:t>
+            </a:r>
+            <a:endParaRPr lang="en-IN" sz="2000" dirty="0">
+              <a:latin typeface="Times New Roman" panose="02020603050405020304" pitchFamily="18" charset="0"/>
+              <a:cs typeface="Times New Roman" panose="02020603050405020304" pitchFamily="18" charset="0"/>
+            </a:endParaRPr>
           </a:p>
           <a:p>
             <a:pPr marL="514350" indent="-514350">
@@ -20603,20 +20587,42 @@
                 <a:latin typeface="Times New Roman" panose="02020603050405020304" pitchFamily="18" charset="0"/>
                 <a:cs typeface="Times New Roman" panose="02020603050405020304" pitchFamily="18" charset="0"/>
               </a:rPr>
-              <a:t>The file path is hard-coded. The files are located </a:t>
+              <a:t>Using function </a:t>
+            </a:r>
+            <a:r>
+              <a:rPr lang="en-IN" sz="2000" b="1" u="sng" dirty="0" err="1">
+                <a:latin typeface="Times New Roman" panose="02020603050405020304" pitchFamily="18" charset="0"/>
+                <a:cs typeface="Times New Roman" panose="02020603050405020304" pitchFamily="18" charset="0"/>
+              </a:rPr>
+              <a:t>GetObjectItemCaseSensitive</a:t>
+            </a:r>
+            <a:r>
+              <a:rPr lang="en-IN" sz="2000" b="1" u="sng" dirty="0">
+                <a:latin typeface="Times New Roman" panose="02020603050405020304" pitchFamily="18" charset="0"/>
+                <a:cs typeface="Times New Roman" panose="02020603050405020304" pitchFamily="18" charset="0"/>
+              </a:rPr>
+              <a:t>,</a:t>
             </a:r>
             <a:r>
               <a:rPr lang="en-IN" sz="2000" dirty="0">
                 <a:latin typeface="Times New Roman" panose="02020603050405020304" pitchFamily="18" charset="0"/>
                 <a:cs typeface="Times New Roman" panose="02020603050405020304" pitchFamily="18" charset="0"/>
-                <a:hlinkClick r:id="rId3"/>
               </a:rPr>
-              <a:t>here</a:t>
-            </a:r>
-            <a:endParaRPr lang="en-IN" sz="2000" dirty="0">
-              <a:latin typeface="Times New Roman" panose="02020603050405020304" pitchFamily="18" charset="0"/>
-              <a:cs typeface="Times New Roman" panose="02020603050405020304" pitchFamily="18" charset="0"/>
-            </a:endParaRPr>
+              <a:t> we can access the data present in the string. </a:t>
+            </a:r>
+          </a:p>
+          <a:p>
+            <a:pPr marL="514350" indent="-514350">
+              <a:buFont typeface="+mj-lt"/>
+              <a:buAutoNum type="romanUcPeriod"/>
+            </a:pPr>
+            <a:r>
+              <a:rPr lang="en-IN" sz="2000" dirty="0">
+                <a:latin typeface="Times New Roman" panose="02020603050405020304" pitchFamily="18" charset="0"/>
+                <a:cs typeface="Times New Roman" panose="02020603050405020304" pitchFamily="18" charset="0"/>
+              </a:rPr>
+              <a:t>All necessary data (values) can be obtained.</a:t>
+            </a:r>
           </a:p>
           <a:p>
             <a:pPr marL="514350" indent="-514350">
@@ -20641,92 +20647,42 @@
                 <a:latin typeface="Times New Roman" panose="02020603050405020304" pitchFamily="18" charset="0"/>
                 <a:cs typeface="Times New Roman" panose="02020603050405020304" pitchFamily="18" charset="0"/>
               </a:rPr>
-              <a:t>This file can be compiled from command window. The command is as follows</a:t>
-            </a:r>
-          </a:p>
-          <a:p>
-            <a:pPr marL="0" indent="0">
-              <a:buNone/>
+              <a:t>The data is hard-coded and it can be changed according to the structure in the code. The changes to the data can be changed in the program. </a:t>
+            </a:r>
+          </a:p>
+          <a:p>
+            <a:pPr marL="514350" indent="-514350">
+              <a:buFont typeface="+mj-lt"/>
+              <a:buAutoNum type="romanUcPeriod"/>
             </a:pPr>
             <a:r>
-              <a:rPr lang="en-IN" sz="2000" b="1" dirty="0">
+              <a:rPr lang="en-IN" sz="2000" dirty="0">
                 <a:latin typeface="Times New Roman" panose="02020603050405020304" pitchFamily="18" charset="0"/>
                 <a:cs typeface="Times New Roman" panose="02020603050405020304" pitchFamily="18" charset="0"/>
               </a:rPr>
-              <a:t>&lt;exe file&gt;&lt;1 or 2 or 3&gt;</a:t>
+              <a:t>This file cannot be from command window (Although can be edited to run on command window).</a:t>
             </a:r>
           </a:p>
           <a:p>
             <a:pPr marL="0" indent="0">
               <a:buNone/>
             </a:pPr>
-            <a:r>
-              <a:rPr lang="en-IN" sz="1600" dirty="0">
-                <a:latin typeface="Times New Roman" panose="02020603050405020304" pitchFamily="18" charset="0"/>
-                <a:cs typeface="Times New Roman" panose="02020603050405020304" pitchFamily="18" charset="0"/>
-              </a:rPr>
-              <a:t>1:- Displays LKAS</a:t>
-            </a:r>
+            <a:endParaRPr lang="en-IN" dirty="0"/>
           </a:p>
           <a:p>
             <a:pPr marL="0" indent="0">
               <a:buNone/>
             </a:pPr>
-            <a:r>
-              <a:rPr lang="en-IN" sz="1600" dirty="0">
-                <a:latin typeface="Times New Roman" panose="02020603050405020304" pitchFamily="18" charset="0"/>
-                <a:cs typeface="Times New Roman" panose="02020603050405020304" pitchFamily="18" charset="0"/>
-              </a:rPr>
-              <a:t>2:- Displays ACC</a:t>
-            </a:r>
-          </a:p>
-          <a:p>
-            <a:pPr marL="0" indent="0">
-              <a:buNone/>
-            </a:pPr>
-            <a:r>
-              <a:rPr lang="en-IN" sz="1600" dirty="0">
-                <a:latin typeface="Times New Roman" panose="02020603050405020304" pitchFamily="18" charset="0"/>
-                <a:cs typeface="Times New Roman" panose="02020603050405020304" pitchFamily="18" charset="0"/>
-              </a:rPr>
-              <a:t>3:- Displays both</a:t>
-            </a:r>
-          </a:p>
-          <a:p>
-            <a:pPr marL="0" indent="0">
-              <a:buNone/>
-            </a:pPr>
-            <a:r>
-              <a:rPr lang="en-IN" sz="1600" dirty="0">
-                <a:latin typeface="Times New Roman" panose="02020603050405020304" pitchFamily="18" charset="0"/>
-                <a:cs typeface="Times New Roman" panose="02020603050405020304" pitchFamily="18" charset="0"/>
-              </a:rPr>
-              <a:t>Any other number results in an error</a:t>
-            </a:r>
-          </a:p>
-          <a:p>
-            <a:pPr marL="0" indent="0">
-              <a:buNone/>
-            </a:pPr>
-            <a:endParaRPr lang="en-IN" sz="2000" dirty="0">
-              <a:latin typeface="Times New Roman" panose="02020603050405020304" pitchFamily="18" charset="0"/>
-              <a:cs typeface="Times New Roman" panose="02020603050405020304" pitchFamily="18" charset="0"/>
-            </a:endParaRPr>
-          </a:p>
-          <a:p>
-            <a:endParaRPr lang="en-IN" sz="2000" dirty="0">
-              <a:latin typeface="Times New Roman" panose="02020603050405020304" pitchFamily="18" charset="0"/>
-              <a:cs typeface="Times New Roman" panose="02020603050405020304" pitchFamily="18" charset="0"/>
-            </a:endParaRPr>
-          </a:p>
-        </p:txBody>
-      </p:sp>
-      <p:sp>
-        <p:nvSpPr>
-          <p:cNvPr id="4" name="Text Placeholder 2">
+            <a:endParaRPr lang="en-IN" dirty="0"/>
+          </a:p>
+        </p:txBody>
+      </p:sp>
+      <p:sp>
+        <p:nvSpPr>
+          <p:cNvPr id="5" name="Text Placeholder 2">
             <a:extLst>
               <a:ext uri="{FF2B5EF4-FFF2-40B4-BE49-F238E27FC236}">
-                <a16:creationId xmlns:a16="http://schemas.microsoft.com/office/drawing/2014/main" id="{883F2068-5C1D-4F7C-95A7-89106E524351}"/>
+                <a16:creationId xmlns:a16="http://schemas.microsoft.com/office/drawing/2014/main" id="{C88CCF4B-CACA-4CE4-82B7-5EB8D329710E}"/>
               </a:ext>
             </a:extLst>
           </p:cNvPr>
@@ -20765,7 +20721,7 @@
     </p:spTree>
     <p:extLst>
       <p:ext uri="{BB962C8B-B14F-4D97-AF65-F5344CB8AC3E}">
-        <p14:creationId xmlns:p14="http://schemas.microsoft.com/office/powerpoint/2010/main" val="1232973550"/>
+        <p14:creationId xmlns:p14="http://schemas.microsoft.com/office/powerpoint/2010/main" val="4151773065"/>
       </p:ext>
     </p:extLst>
   </p:cSld>
@@ -20797,6 +20753,276 @@
           <p:cNvPr id="2" name="Text Placeholder 1">
             <a:extLst>
               <a:ext uri="{FF2B5EF4-FFF2-40B4-BE49-F238E27FC236}">
+                <a16:creationId xmlns:a16="http://schemas.microsoft.com/office/drawing/2014/main" id="{11CB568E-E301-4DA3-B26D-9B6ED7D3B2EF}"/>
+              </a:ext>
+            </a:extLst>
+          </p:cNvPr>
+          <p:cNvSpPr>
+            <a:spLocks noGrp="1"/>
+          </p:cNvSpPr>
+          <p:nvPr>
+            <p:ph type="body" sz="quarter" idx="16"/>
+          </p:nvPr>
+        </p:nvSpPr>
+        <p:spPr/>
+        <p:txBody>
+          <a:bodyPr>
+            <a:normAutofit/>
+          </a:bodyPr>
+          <a:lstStyle/>
+          <a:p>
+            <a:r>
+              <a:rPr lang="en-IN" sz="2000" dirty="0">
+                <a:latin typeface="Times New Roman" panose="02020603050405020304" pitchFamily="18" charset="0"/>
+                <a:cs typeface="Times New Roman" panose="02020603050405020304" pitchFamily="18" charset="0"/>
+                <a:hlinkClick r:id="rId2"/>
+              </a:rPr>
+              <a:t>JSON_parse_file_read.cpp</a:t>
+            </a:r>
+            <a:endParaRPr lang="en-IN" sz="2000" dirty="0">
+              <a:latin typeface="Times New Roman" panose="02020603050405020304" pitchFamily="18" charset="0"/>
+              <a:cs typeface="Times New Roman" panose="02020603050405020304" pitchFamily="18" charset="0"/>
+            </a:endParaRPr>
+          </a:p>
+          <a:p>
+            <a:pPr marL="0" indent="0">
+              <a:buNone/>
+            </a:pPr>
+            <a:endParaRPr lang="en-IN" sz="2000" dirty="0">
+              <a:latin typeface="Times New Roman" panose="02020603050405020304" pitchFamily="18" charset="0"/>
+              <a:cs typeface="Times New Roman" panose="02020603050405020304" pitchFamily="18" charset="0"/>
+            </a:endParaRPr>
+          </a:p>
+          <a:p>
+            <a:pPr marL="514350" indent="-514350">
+              <a:buFont typeface="+mj-lt"/>
+              <a:buAutoNum type="romanUcPeriod"/>
+            </a:pPr>
+            <a:r>
+              <a:rPr lang="en-IN" sz="2000" dirty="0">
+                <a:latin typeface="Times New Roman" panose="02020603050405020304" pitchFamily="18" charset="0"/>
+                <a:cs typeface="Times New Roman" panose="02020603050405020304" pitchFamily="18" charset="0"/>
+              </a:rPr>
+              <a:t>In this example, two functions namely LKAS and ACC are created.</a:t>
+            </a:r>
+          </a:p>
+          <a:p>
+            <a:pPr marL="514350" indent="-514350">
+              <a:buFont typeface="+mj-lt"/>
+              <a:buAutoNum type="romanUcPeriod"/>
+            </a:pPr>
+            <a:r>
+              <a:rPr lang="en-IN" sz="2000" dirty="0">
+                <a:latin typeface="Times New Roman" panose="02020603050405020304" pitchFamily="18" charset="0"/>
+                <a:cs typeface="Times New Roman" panose="02020603050405020304" pitchFamily="18" charset="0"/>
+              </a:rPr>
+              <a:t>The code asks for a json file which reads and displays the necessary parameter needed. </a:t>
+            </a:r>
+          </a:p>
+          <a:p>
+            <a:pPr marL="514350" indent="-514350">
+              <a:buFont typeface="+mj-lt"/>
+              <a:buAutoNum type="romanUcPeriod"/>
+            </a:pPr>
+            <a:r>
+              <a:rPr lang="en-IN" sz="2000" dirty="0">
+                <a:latin typeface="Times New Roman" panose="02020603050405020304" pitchFamily="18" charset="0"/>
+                <a:cs typeface="Times New Roman" panose="02020603050405020304" pitchFamily="18" charset="0"/>
+              </a:rPr>
+              <a:t>The file path is hard-coded. The files are located </a:t>
+            </a:r>
+            <a:r>
+              <a:rPr lang="en-IN" sz="2000" dirty="0">
+                <a:latin typeface="Times New Roman" panose="02020603050405020304" pitchFamily="18" charset="0"/>
+                <a:cs typeface="Times New Roman" panose="02020603050405020304" pitchFamily="18" charset="0"/>
+                <a:hlinkClick r:id="rId3"/>
+              </a:rPr>
+              <a:t>here</a:t>
+            </a:r>
+            <a:endParaRPr lang="en-IN" sz="2000" dirty="0">
+              <a:latin typeface="Times New Roman" panose="02020603050405020304" pitchFamily="18" charset="0"/>
+              <a:cs typeface="Times New Roman" panose="02020603050405020304" pitchFamily="18" charset="0"/>
+            </a:endParaRPr>
+          </a:p>
+          <a:p>
+            <a:pPr marL="514350" indent="-514350">
+              <a:buFont typeface="+mj-lt"/>
+              <a:buAutoNum type="romanUcPeriod"/>
+            </a:pPr>
+            <a:r>
+              <a:rPr lang="en-IN" sz="2000" dirty="0">
+                <a:latin typeface="Times New Roman" panose="02020603050405020304" pitchFamily="18" charset="0"/>
+                <a:cs typeface="Times New Roman" panose="02020603050405020304" pitchFamily="18" charset="0"/>
+              </a:rPr>
+              <a:t>To run the file, just link this file with cJSON.c, build the project and run.</a:t>
+            </a:r>
+          </a:p>
+          <a:p>
+            <a:pPr marL="514350" indent="-514350">
+              <a:buFont typeface="+mj-lt"/>
+              <a:buAutoNum type="romanUcPeriod"/>
+            </a:pPr>
+            <a:r>
+              <a:rPr lang="en-IN" sz="2000" dirty="0">
+                <a:latin typeface="Times New Roman" panose="02020603050405020304" pitchFamily="18" charset="0"/>
+                <a:cs typeface="Times New Roman" panose="02020603050405020304" pitchFamily="18" charset="0"/>
+              </a:rPr>
+              <a:t>This file can be compiled from command window. The command is as follows</a:t>
+            </a:r>
+          </a:p>
+          <a:p>
+            <a:pPr marL="0" indent="0">
+              <a:buNone/>
+            </a:pPr>
+            <a:r>
+              <a:rPr lang="en-IN" sz="2000" b="1" dirty="0">
+                <a:latin typeface="Times New Roman" panose="02020603050405020304" pitchFamily="18" charset="0"/>
+                <a:cs typeface="Times New Roman" panose="02020603050405020304" pitchFamily="18" charset="0"/>
+              </a:rPr>
+              <a:t>&lt;exe file&gt;&lt;1 or 2 or 3&gt;</a:t>
+            </a:r>
+          </a:p>
+          <a:p>
+            <a:pPr marL="0" indent="0">
+              <a:buNone/>
+            </a:pPr>
+            <a:r>
+              <a:rPr lang="en-IN" sz="1600" dirty="0">
+                <a:latin typeface="Times New Roman" panose="02020603050405020304" pitchFamily="18" charset="0"/>
+                <a:cs typeface="Times New Roman" panose="02020603050405020304" pitchFamily="18" charset="0"/>
+              </a:rPr>
+              <a:t>1:- Displays LKAS</a:t>
+            </a:r>
+          </a:p>
+          <a:p>
+            <a:pPr marL="0" indent="0">
+              <a:buNone/>
+            </a:pPr>
+            <a:r>
+              <a:rPr lang="en-IN" sz="1600" dirty="0">
+                <a:latin typeface="Times New Roman" panose="02020603050405020304" pitchFamily="18" charset="0"/>
+                <a:cs typeface="Times New Roman" panose="02020603050405020304" pitchFamily="18" charset="0"/>
+              </a:rPr>
+              <a:t>2:- Displays ACC</a:t>
+            </a:r>
+          </a:p>
+          <a:p>
+            <a:pPr marL="0" indent="0">
+              <a:buNone/>
+            </a:pPr>
+            <a:r>
+              <a:rPr lang="en-IN" sz="1600" dirty="0">
+                <a:latin typeface="Times New Roman" panose="02020603050405020304" pitchFamily="18" charset="0"/>
+                <a:cs typeface="Times New Roman" panose="02020603050405020304" pitchFamily="18" charset="0"/>
+              </a:rPr>
+              <a:t>3:- Displays both</a:t>
+            </a:r>
+          </a:p>
+          <a:p>
+            <a:pPr marL="0" indent="0">
+              <a:buNone/>
+            </a:pPr>
+            <a:r>
+              <a:rPr lang="en-IN" sz="1600" dirty="0">
+                <a:latin typeface="Times New Roman" panose="02020603050405020304" pitchFamily="18" charset="0"/>
+                <a:cs typeface="Times New Roman" panose="02020603050405020304" pitchFamily="18" charset="0"/>
+              </a:rPr>
+              <a:t>Any other number results in an error</a:t>
+            </a:r>
+          </a:p>
+          <a:p>
+            <a:pPr marL="0" indent="0">
+              <a:buNone/>
+            </a:pPr>
+            <a:endParaRPr lang="en-IN" sz="2000" dirty="0">
+              <a:latin typeface="Times New Roman" panose="02020603050405020304" pitchFamily="18" charset="0"/>
+              <a:cs typeface="Times New Roman" panose="02020603050405020304" pitchFamily="18" charset="0"/>
+            </a:endParaRPr>
+          </a:p>
+          <a:p>
+            <a:endParaRPr lang="en-IN" sz="2000" dirty="0">
+              <a:latin typeface="Times New Roman" panose="02020603050405020304" pitchFamily="18" charset="0"/>
+              <a:cs typeface="Times New Roman" panose="02020603050405020304" pitchFamily="18" charset="0"/>
+            </a:endParaRPr>
+          </a:p>
+        </p:txBody>
+      </p:sp>
+      <p:sp>
+        <p:nvSpPr>
+          <p:cNvPr id="4" name="Text Placeholder 2">
+            <a:extLst>
+              <a:ext uri="{FF2B5EF4-FFF2-40B4-BE49-F238E27FC236}">
+                <a16:creationId xmlns:a16="http://schemas.microsoft.com/office/drawing/2014/main" id="{883F2068-5C1D-4F7C-95A7-89106E524351}"/>
+              </a:ext>
+            </a:extLst>
+          </p:cNvPr>
+          <p:cNvSpPr>
+            <a:spLocks noGrp="1"/>
+          </p:cNvSpPr>
+          <p:nvPr>
+            <p:ph type="body" sz="quarter" idx="20"/>
+          </p:nvPr>
+        </p:nvSpPr>
+        <p:spPr>
+          <a:xfrm>
+            <a:off x="2185989" y="184522"/>
+            <a:ext cx="9374187" cy="587375"/>
+          </a:xfrm>
+        </p:spPr>
+        <p:txBody>
+          <a:bodyPr>
+            <a:normAutofit fontScale="25000" lnSpcReduction="20000"/>
+          </a:bodyPr>
+          <a:lstStyle/>
+          <a:p>
+            <a:endParaRPr lang="en-IN" dirty="0"/>
+          </a:p>
+          <a:p>
+            <a:r>
+              <a:rPr lang="en-IN" sz="11200" dirty="0"/>
+              <a:t>JSON parsing in C/C++ Examples</a:t>
+            </a:r>
+          </a:p>
+          <a:p>
+            <a:endParaRPr lang="en-IN" dirty="0"/>
+          </a:p>
+        </p:txBody>
+      </p:sp>
+    </p:spTree>
+    <p:extLst>
+      <p:ext uri="{BB962C8B-B14F-4D97-AF65-F5344CB8AC3E}">
+        <p14:creationId xmlns:p14="http://schemas.microsoft.com/office/powerpoint/2010/main" val="1232973550"/>
+      </p:ext>
+    </p:extLst>
+  </p:cSld>
+  <p:clrMapOvr>
+    <a:masterClrMapping/>
+  </p:clrMapOvr>
+</p:sld>
+</file>
+
+<file path=ppt/slides/slide13.xml><?xml version="1.0" encoding="utf-8"?>
+<p:sld xmlns:a="http://schemas.openxmlformats.org/drawingml/2006/main" xmlns:r="http://schemas.openxmlformats.org/officeDocument/2006/relationships" xmlns:p="http://schemas.openxmlformats.org/presentationml/2006/main">
+  <p:cSld>
+    <p:spTree>
+      <p:nvGrpSpPr>
+        <p:cNvPr id="1" name=""/>
+        <p:cNvGrpSpPr/>
+        <p:nvPr/>
+      </p:nvGrpSpPr>
+      <p:grpSpPr>
+        <a:xfrm>
+          <a:off x="0" y="0"/>
+          <a:ext cx="0" cy="0"/>
+          <a:chOff x="0" y="0"/>
+          <a:chExt cx="0" cy="0"/>
+        </a:xfrm>
+      </p:grpSpPr>
+      <p:sp>
+        <p:nvSpPr>
+          <p:cNvPr id="2" name="Text Placeholder 1">
+            <a:extLst>
+              <a:ext uri="{FF2B5EF4-FFF2-40B4-BE49-F238E27FC236}">
                 <a16:creationId xmlns:a16="http://schemas.microsoft.com/office/drawing/2014/main" id="{E2D8C007-2524-4D52-93BC-86EB3EE85056}"/>
               </a:ext>
             </a:extLst>
@@ -20941,7 +21167,7 @@
 </p:sld>
 </file>
 
-<file path=ppt/slides/slide13.xml><?xml version="1.0" encoding="utf-8"?>
+<file path=ppt/slides/slide14.xml><?xml version="1.0" encoding="utf-8"?>
 <p:sld xmlns:a="http://schemas.openxmlformats.org/drawingml/2006/main" xmlns:r="http://schemas.openxmlformats.org/officeDocument/2006/relationships" xmlns:p="http://schemas.openxmlformats.org/presentationml/2006/main">
   <p:cSld>
     <p:spTree>
@@ -21089,7 +21315,7 @@
         </p:spPr>
         <p:txBody>
           <a:bodyPr>
-            <a:normAutofit fontScale="92500" lnSpcReduction="10000"/>
+            <a:normAutofit fontScale="85000" lnSpcReduction="10000"/>
           </a:bodyPr>
           <a:lstStyle/>
           <a:p>
@@ -21168,7 +21394,7 @@
               <a:rPr lang="de-DE" dirty="0">
                 <a:hlinkClick r:id="rId6" action="ppaction://hlinksldjump"/>
               </a:rPr>
-              <a:t>Examples</a:t>
+              <a:t>How to Parse JSON data</a:t>
             </a:r>
             <a:endParaRPr lang="de-DE" dirty="0"/>
           </a:p>
@@ -21184,7 +21410,7 @@
               <a:rPr lang="de-DE" dirty="0">
                 <a:hlinkClick r:id="rId7" action="ppaction://hlinksldjump"/>
               </a:rPr>
-              <a:t>JSON Parsing in C/C++</a:t>
+              <a:t>Examples</a:t>
             </a:r>
             <a:endParaRPr lang="de-DE" dirty="0"/>
           </a:p>
@@ -21200,7 +21426,7 @@
               <a:rPr lang="de-DE" dirty="0">
                 <a:hlinkClick r:id="rId8" action="ppaction://hlinksldjump"/>
               </a:rPr>
-              <a:t>JSON Parsing in Python</a:t>
+              <a:t>JSON Parsing in C/C++</a:t>
             </a:r>
             <a:endParaRPr lang="de-DE" dirty="0"/>
           </a:p>
@@ -21215,6 +21441,22 @@
             <a:r>
               <a:rPr lang="de-DE" dirty="0">
                 <a:hlinkClick r:id="rId9" action="ppaction://hlinksldjump"/>
+              </a:rPr>
+              <a:t>JSON Parsing in Python</a:t>
+            </a:r>
+            <a:endParaRPr lang="de-DE" dirty="0"/>
+          </a:p>
+          <a:p>
+            <a:pPr marL="888958" lvl="1" indent="-342900">
+              <a:lnSpc>
+                <a:spcPct val="150000"/>
+              </a:lnSpc>
+              <a:buFont typeface="Wingdings" panose="05000000000000000000" pitchFamily="2" charset="2"/>
+              <a:buChar char="v"/>
+            </a:pPr>
+            <a:r>
+              <a:rPr lang="de-DE" dirty="0">
+                <a:hlinkClick r:id="rId10" action="ppaction://hlinksldjump"/>
               </a:rPr>
               <a:t>References</a:t>
             </a:r>
@@ -23170,7 +23412,7 @@
           <p:cNvPr id="2" name="Text Placeholder 1">
             <a:extLst>
               <a:ext uri="{FF2B5EF4-FFF2-40B4-BE49-F238E27FC236}">
-                <a16:creationId xmlns:a16="http://schemas.microsoft.com/office/drawing/2014/main" id="{93C6110C-11F8-4012-ADC3-EE435C21436D}"/>
+                <a16:creationId xmlns:a16="http://schemas.microsoft.com/office/drawing/2014/main" id="{1EF96214-B225-471B-A411-1A4F19C26ED1}"/>
               </a:ext>
             </a:extLst>
           </p:cNvPr>
@@ -23181,269 +23423,217 @@
             <p:ph type="body" sz="quarter" idx="16"/>
           </p:nvPr>
         </p:nvSpPr>
-        <p:spPr>
-          <a:xfrm>
-            <a:off x="1969423" y="1005401"/>
-            <a:ext cx="9472612" cy="5203376"/>
-          </a:xfrm>
-        </p:spPr>
-        <p:txBody>
-          <a:bodyPr>
-            <a:noAutofit/>
-          </a:bodyPr>
+        <p:spPr/>
+        <p:txBody>
+          <a:bodyPr/>
           <a:lstStyle/>
           <a:p>
             <a:r>
-              <a:rPr lang="en-IN" sz="2000" dirty="0">
+              <a:rPr lang="en-IN" dirty="0">
                 <a:latin typeface="Times New Roman" panose="02020603050405020304" pitchFamily="18" charset="0"/>
                 <a:cs typeface="Times New Roman" panose="02020603050405020304" pitchFamily="18" charset="0"/>
               </a:rPr>
-              <a:t>As part of research, I have used </a:t>
-            </a:r>
-            <a:r>
-              <a:rPr lang="en-IN" sz="2000" dirty="0">
-                <a:latin typeface="Times New Roman" panose="02020603050405020304" pitchFamily="18" charset="0"/>
-                <a:cs typeface="Times New Roman" panose="02020603050405020304" pitchFamily="18" charset="0"/>
-                <a:hlinkClick r:id="rId2"/>
-              </a:rPr>
-              <a:t>cJSON</a:t>
-            </a:r>
-            <a:r>
-              <a:rPr lang="en-IN" sz="2000" dirty="0">
-                <a:latin typeface="Times New Roman" panose="02020603050405020304" pitchFamily="18" charset="0"/>
-                <a:cs typeface="Times New Roman" panose="02020603050405020304" pitchFamily="18" charset="0"/>
-              </a:rPr>
-              <a:t> library for parsing JSON data in c/c++ .</a:t>
-            </a:r>
-          </a:p>
-          <a:p>
-            <a:r>
-              <a:rPr lang="en-IN" sz="2000" dirty="0">
-                <a:latin typeface="Times New Roman" panose="02020603050405020304" pitchFamily="18" charset="0"/>
-                <a:cs typeface="Times New Roman" panose="02020603050405020304" pitchFamily="18" charset="0"/>
-              </a:rPr>
-              <a:t>For c++ specific, </a:t>
-            </a:r>
-            <a:r>
-              <a:rPr lang="en-IN" sz="2000" dirty="0" err="1">
-                <a:latin typeface="Times New Roman" panose="02020603050405020304" pitchFamily="18" charset="0"/>
-                <a:cs typeface="Times New Roman" panose="02020603050405020304" pitchFamily="18" charset="0"/>
-                <a:hlinkClick r:id="rId3"/>
-              </a:rPr>
-              <a:t>nlohmann</a:t>
-            </a:r>
-            <a:r>
-              <a:rPr lang="en-IN" sz="2000" dirty="0">
-                <a:latin typeface="Times New Roman" panose="02020603050405020304" pitchFamily="18" charset="0"/>
-                <a:cs typeface="Times New Roman" panose="02020603050405020304" pitchFamily="18" charset="0"/>
-              </a:rPr>
-              <a:t> library can also be used.</a:t>
-            </a:r>
-          </a:p>
-          <a:p>
-            <a:r>
-              <a:rPr lang="en-IN" sz="2000" dirty="0">
-                <a:latin typeface="Times New Roman" panose="02020603050405020304" pitchFamily="18" charset="0"/>
-                <a:cs typeface="Times New Roman" panose="02020603050405020304" pitchFamily="18" charset="0"/>
-              </a:rPr>
-              <a:t>In case of Python, we import the library using the following command</a:t>
-            </a:r>
-          </a:p>
-          <a:p>
-            <a:pPr marL="0" indent="0">
-              <a:buNone/>
-            </a:pPr>
-            <a:r>
-              <a:rPr lang="en-IN" sz="2000" b="1" u="sng" dirty="0">
-                <a:latin typeface="Times New Roman" panose="02020603050405020304" pitchFamily="18" charset="0"/>
-                <a:cs typeface="Times New Roman" panose="02020603050405020304" pitchFamily="18" charset="0"/>
-              </a:rPr>
-              <a:t>“import json”</a:t>
-            </a:r>
-          </a:p>
-          <a:p>
-            <a:r>
-              <a:rPr lang="en-IN" sz="2000" dirty="0">
-                <a:latin typeface="Times New Roman" panose="02020603050405020304" pitchFamily="18" charset="0"/>
-                <a:cs typeface="Times New Roman" panose="02020603050405020304" pitchFamily="18" charset="0"/>
-                <a:hlinkClick r:id="rId4"/>
-              </a:rPr>
-              <a:t>Here is the link to all the examples related to JSON in c/c++ and Python.</a:t>
-            </a:r>
-            <a:endParaRPr lang="en-IN" sz="2000" dirty="0">
-              <a:latin typeface="Times New Roman" panose="02020603050405020304" pitchFamily="18" charset="0"/>
-              <a:cs typeface="Times New Roman" panose="02020603050405020304" pitchFamily="18" charset="0"/>
-            </a:endParaRPr>
-          </a:p>
-          <a:p>
-            <a:r>
-              <a:rPr lang="en-IN" sz="2000" dirty="0">
-                <a:latin typeface="Times New Roman" panose="02020603050405020304" pitchFamily="18" charset="0"/>
-                <a:cs typeface="Times New Roman" panose="02020603050405020304" pitchFamily="18" charset="0"/>
-              </a:rPr>
-              <a:t>They are explained in detail</a:t>
-            </a:r>
-          </a:p>
-          <a:p>
-            <a:pPr marL="0" indent="0">
-              <a:buNone/>
-            </a:pPr>
-            <a:endParaRPr lang="en-IN" sz="2000" dirty="0">
-              <a:latin typeface="Times New Roman" panose="02020603050405020304" pitchFamily="18" charset="0"/>
-              <a:cs typeface="Times New Roman" panose="02020603050405020304" pitchFamily="18" charset="0"/>
-            </a:endParaRPr>
-          </a:p>
-          <a:p>
-            <a:pPr marL="0" indent="0">
-              <a:buNone/>
-            </a:pPr>
-            <a:r>
-              <a:rPr lang="en-IN" sz="2000" dirty="0">
-                <a:latin typeface="Times New Roman" panose="02020603050405020304" pitchFamily="18" charset="0"/>
-                <a:cs typeface="Times New Roman" panose="02020603050405020304" pitchFamily="18" charset="0"/>
-              </a:rPr>
-              <a:t>Important:-</a:t>
-            </a:r>
-          </a:p>
-          <a:p>
-            <a:pPr marL="0" indent="0">
-              <a:buNone/>
-            </a:pPr>
-            <a:r>
-              <a:rPr lang="en-US" altLang="en-US" sz="2000" dirty="0" err="1">
-                <a:solidFill>
-                  <a:srgbClr val="172B4D"/>
-                </a:solidFill>
+              <a:t>We can parse JSON string using the following command with </a:t>
+            </a:r>
+            <a:r>
+              <a:rPr lang="en-IN" dirty="0" err="1">
                 <a:latin typeface="Times New Roman" panose="02020603050405020304" pitchFamily="18" charset="0"/>
                 <a:cs typeface="Times New Roman" panose="02020603050405020304" pitchFamily="18" charset="0"/>
               </a:rPr>
               <a:t>cJSON</a:t>
             </a:r>
             <a:r>
-              <a:rPr lang="en-US" altLang="en-US" sz="2000" dirty="0">
-                <a:solidFill>
-                  <a:srgbClr val="172B4D"/>
-                </a:solidFill>
+              <a:rPr lang="en-IN" dirty="0">
                 <a:latin typeface="Times New Roman" panose="02020603050405020304" pitchFamily="18" charset="0"/>
                 <a:cs typeface="Times New Roman" panose="02020603050405020304" pitchFamily="18" charset="0"/>
               </a:rPr>
-              <a:t> is written in </a:t>
-            </a:r>
-            <a:r>
-              <a:rPr lang="en-US" altLang="en-US" sz="2000" b="1" dirty="0">
-                <a:solidFill>
-                  <a:srgbClr val="172B4D"/>
-                </a:solidFill>
+              <a:t> :- </a:t>
+            </a:r>
+          </a:p>
+          <a:p>
+            <a:pPr marL="0" indent="0">
+              <a:buNone/>
+            </a:pPr>
+            <a:r>
+              <a:rPr lang="en-IN" dirty="0" err="1">
                 <a:latin typeface="Times New Roman" panose="02020603050405020304" pitchFamily="18" charset="0"/>
                 <a:cs typeface="Times New Roman" panose="02020603050405020304" pitchFamily="18" charset="0"/>
               </a:rPr>
-              <a:t>ANSI C</a:t>
-            </a:r>
-            <a:r>
-              <a:rPr lang="en-US" altLang="en-US" sz="2000" dirty="0">
-                <a:solidFill>
-                  <a:srgbClr val="172B4D"/>
-                </a:solidFill>
+              <a:t>cJSON</a:t>
+            </a:r>
+            <a:r>
+              <a:rPr lang="en-IN" dirty="0">
                 <a:latin typeface="Times New Roman" panose="02020603050405020304" pitchFamily="18" charset="0"/>
                 <a:cs typeface="Times New Roman" panose="02020603050405020304" pitchFamily="18" charset="0"/>
               </a:rPr>
-              <a:t> (or C89, C90). If your compiler or C library doesn't follow this standard, correct behavior is not guaranteed.</a:t>
-            </a:r>
-            <a:endParaRPr lang="en-US" altLang="en-US" sz="2000" dirty="0">
+              <a:t> *json = </a:t>
+            </a:r>
+            <a:r>
+              <a:rPr lang="en-IN" dirty="0" err="1">
+                <a:latin typeface="Times New Roman" panose="02020603050405020304" pitchFamily="18" charset="0"/>
+                <a:cs typeface="Times New Roman" panose="02020603050405020304" pitchFamily="18" charset="0"/>
+              </a:rPr>
+              <a:t>cJSON_Parse</a:t>
+            </a:r>
+            <a:r>
+              <a:rPr lang="en-IN" dirty="0">
+                <a:latin typeface="Times New Roman" panose="02020603050405020304" pitchFamily="18" charset="0"/>
+                <a:cs typeface="Times New Roman" panose="02020603050405020304" pitchFamily="18" charset="0"/>
+              </a:rPr>
+              <a:t>(string);</a:t>
+            </a:r>
+          </a:p>
+          <a:p>
+            <a:r>
+              <a:rPr lang="en-IN" dirty="0">
+                <a:latin typeface="Times New Roman" panose="02020603050405020304" pitchFamily="18" charset="0"/>
+                <a:cs typeface="Times New Roman" panose="02020603050405020304" pitchFamily="18" charset="0"/>
+              </a:rPr>
+              <a:t>To create an empty object, use </a:t>
+            </a:r>
+            <a:r>
+              <a:rPr lang="en-IN" dirty="0" err="1">
+                <a:latin typeface="Times New Roman" panose="02020603050405020304" pitchFamily="18" charset="0"/>
+                <a:cs typeface="Times New Roman" panose="02020603050405020304" pitchFamily="18" charset="0"/>
+              </a:rPr>
+              <a:t>cJSON_CreateObject</a:t>
+            </a:r>
+            <a:r>
+              <a:rPr lang="en-IN" dirty="0">
+                <a:latin typeface="Times New Roman" panose="02020603050405020304" pitchFamily="18" charset="0"/>
+                <a:cs typeface="Times New Roman" panose="02020603050405020304" pitchFamily="18" charset="0"/>
+              </a:rPr>
+              <a:t> function.</a:t>
+            </a:r>
+          </a:p>
+          <a:p>
+            <a:r>
+              <a:rPr lang="en-US" altLang="en-US" dirty="0">
+                <a:solidFill>
+                  <a:srgbClr val="24292E"/>
+                </a:solidFill>
+                <a:latin typeface="-apple-system"/>
+              </a:rPr>
+              <a:t>To add items to an object, use </a:t>
+            </a:r>
+            <a:r>
+              <a:rPr lang="en-US" altLang="en-US" dirty="0" err="1">
+                <a:solidFill>
+                  <a:srgbClr val="24292E"/>
+                </a:solidFill>
+                <a:latin typeface="-apple-system"/>
+              </a:rPr>
+              <a:t>cJSON_AddItemToObject</a:t>
+            </a:r>
+            <a:r>
+              <a:rPr lang="en-US" altLang="en-US" dirty="0">
+                <a:solidFill>
+                  <a:srgbClr val="24292E"/>
+                </a:solidFill>
+                <a:latin typeface="-apple-system"/>
+              </a:rPr>
+              <a:t>. </a:t>
+            </a:r>
+          </a:p>
+          <a:p>
+            <a:r>
+              <a:rPr lang="en-US" dirty="0">
+                <a:solidFill>
+                  <a:srgbClr val="24292E"/>
+                </a:solidFill>
+                <a:latin typeface="-apple-system"/>
+                <a:cs typeface="Times New Roman" panose="02020603050405020304" pitchFamily="18" charset="0"/>
+              </a:rPr>
+              <a:t>To get the size of the object, use </a:t>
+            </a:r>
+            <a:r>
+              <a:rPr lang="en-US" dirty="0" err="1">
+                <a:solidFill>
+                  <a:srgbClr val="24292E"/>
+                </a:solidFill>
+                <a:latin typeface="-apple-system"/>
+                <a:cs typeface="Times New Roman" panose="02020603050405020304" pitchFamily="18" charset="0"/>
+              </a:rPr>
+              <a:t>cJSON_GetArraySize</a:t>
+            </a:r>
+            <a:r>
+              <a:rPr lang="en-US" dirty="0">
+                <a:solidFill>
+                  <a:srgbClr val="24292E"/>
+                </a:solidFill>
+                <a:latin typeface="-apple-system"/>
+                <a:cs typeface="Times New Roman" panose="02020603050405020304" pitchFamily="18" charset="0"/>
+              </a:rPr>
+              <a:t>. This works because the objects are stored as arrays internally</a:t>
+            </a:r>
+          </a:p>
+          <a:p>
+            <a:r>
+              <a:rPr lang="en-US" dirty="0">
+                <a:solidFill>
+                  <a:srgbClr val="24292E"/>
+                </a:solidFill>
+                <a:latin typeface="-apple-system"/>
+                <a:cs typeface="Times New Roman" panose="02020603050405020304" pitchFamily="18" charset="0"/>
+              </a:rPr>
+              <a:t>To access an item in an object, use </a:t>
+            </a:r>
+            <a:r>
+              <a:rPr lang="en-US" dirty="0" err="1">
+                <a:solidFill>
+                  <a:srgbClr val="24292E"/>
+                </a:solidFill>
+                <a:latin typeface="-apple-system"/>
+                <a:cs typeface="Times New Roman" panose="02020603050405020304" pitchFamily="18" charset="0"/>
+              </a:rPr>
+              <a:t>cJSON_GetObjectItemCaseSensitive</a:t>
+            </a:r>
+            <a:endParaRPr lang="en-US" dirty="0">
+              <a:solidFill>
+                <a:srgbClr val="24292E"/>
+              </a:solidFill>
+              <a:latin typeface="-apple-system"/>
+              <a:cs typeface="Times New Roman" panose="02020603050405020304" pitchFamily="18" charset="0"/>
+            </a:endParaRPr>
+          </a:p>
+          <a:p>
+            <a:r>
+              <a:rPr lang="en-US" dirty="0">
+                <a:solidFill>
+                  <a:srgbClr val="24292E"/>
+                </a:solidFill>
+                <a:latin typeface="-apple-system"/>
+                <a:cs typeface="Times New Roman" panose="02020603050405020304" pitchFamily="18" charset="0"/>
+              </a:rPr>
+              <a:t>To iterate over an object, use </a:t>
+            </a:r>
+            <a:r>
+              <a:rPr lang="en-US" dirty="0" err="1">
+                <a:solidFill>
+                  <a:srgbClr val="24292E"/>
+                </a:solidFill>
+                <a:latin typeface="-apple-system"/>
+                <a:cs typeface="Times New Roman" panose="02020603050405020304" pitchFamily="18" charset="0"/>
+              </a:rPr>
+              <a:t>cJSON_ArrayForEach</a:t>
+            </a:r>
+            <a:r>
+              <a:rPr lang="en-US" dirty="0">
+                <a:solidFill>
+                  <a:srgbClr val="24292E"/>
+                </a:solidFill>
+                <a:latin typeface="-apple-system"/>
+                <a:cs typeface="Times New Roman" panose="02020603050405020304" pitchFamily="18" charset="0"/>
+              </a:rPr>
+              <a:t>.</a:t>
+            </a:r>
+            <a:endParaRPr lang="en-IN" dirty="0">
               <a:latin typeface="Times New Roman" panose="02020603050405020304" pitchFamily="18" charset="0"/>
               <a:cs typeface="Times New Roman" panose="02020603050405020304" pitchFamily="18" charset="0"/>
             </a:endParaRPr>
           </a:p>
           <a:p>
-            <a:pPr marL="0" indent="0">
-              <a:buNone/>
-            </a:pPr>
-            <a:endParaRPr lang="en-US" altLang="en-US" sz="2000" b="1" dirty="0">
-              <a:solidFill>
-                <a:srgbClr val="172B4D"/>
-              </a:solidFill>
-              <a:latin typeface="Times New Roman" panose="02020603050405020304" pitchFamily="18" charset="0"/>
-              <a:cs typeface="Times New Roman" panose="02020603050405020304" pitchFamily="18" charset="0"/>
-            </a:endParaRPr>
-          </a:p>
-          <a:p>
-            <a:pPr marL="0" indent="0">
-              <a:buNone/>
-            </a:pPr>
-            <a:r>
-              <a:rPr lang="en-US" altLang="en-US" sz="2000" b="1" dirty="0">
-                <a:solidFill>
-                  <a:srgbClr val="172B4D"/>
-                </a:solidFill>
-                <a:latin typeface="Times New Roman" panose="02020603050405020304" pitchFamily="18" charset="0"/>
-                <a:cs typeface="Times New Roman" panose="02020603050405020304" pitchFamily="18" charset="0"/>
-              </a:rPr>
-              <a:t>ANSI C</a:t>
-            </a:r>
-            <a:r>
-              <a:rPr lang="en-US" altLang="en-US" sz="2000" dirty="0">
-                <a:solidFill>
-                  <a:srgbClr val="172B4D"/>
-                </a:solidFill>
-                <a:latin typeface="Times New Roman" panose="02020603050405020304" pitchFamily="18" charset="0"/>
-                <a:cs typeface="Times New Roman" panose="02020603050405020304" pitchFamily="18" charset="0"/>
-              </a:rPr>
-              <a:t> is not </a:t>
-            </a:r>
-            <a:r>
-              <a:rPr lang="en-US" altLang="en-US" sz="2000" b="1" dirty="0">
-                <a:solidFill>
-                  <a:srgbClr val="172B4D"/>
-                </a:solidFill>
-                <a:latin typeface="Times New Roman" panose="02020603050405020304" pitchFamily="18" charset="0"/>
-                <a:cs typeface="Times New Roman" panose="02020603050405020304" pitchFamily="18" charset="0"/>
-              </a:rPr>
-              <a:t>C</a:t>
-            </a:r>
-            <a:r>
-              <a:rPr lang="en-US" altLang="en-US" sz="2000" dirty="0">
-                <a:solidFill>
-                  <a:srgbClr val="172B4D"/>
-                </a:solidFill>
-                <a:latin typeface="Times New Roman" panose="02020603050405020304" pitchFamily="18" charset="0"/>
-                <a:cs typeface="Times New Roman" panose="02020603050405020304" pitchFamily="18" charset="0"/>
-              </a:rPr>
-              <a:t> therefore it shouldn't be compiled with a C++ compiler. You can compile it with a C compiler and link it with your C+ code+. </a:t>
-            </a:r>
-            <a:endParaRPr lang="en-US" altLang="en-US" sz="2000" dirty="0">
-              <a:latin typeface="Times New Roman" panose="02020603050405020304" pitchFamily="18" charset="0"/>
-              <a:cs typeface="Times New Roman" panose="02020603050405020304" pitchFamily="18" charset="0"/>
-            </a:endParaRPr>
-          </a:p>
-          <a:p>
-            <a:pPr marL="0" indent="0">
-              <a:buNone/>
-            </a:pPr>
-            <a:r>
-              <a:rPr lang="en-IN" sz="2000" dirty="0">
-                <a:latin typeface="Times New Roman" panose="02020603050405020304" pitchFamily="18" charset="0"/>
-                <a:cs typeface="Times New Roman" panose="02020603050405020304" pitchFamily="18" charset="0"/>
-              </a:rPr>
-              <a:t> </a:t>
-            </a:r>
-          </a:p>
-          <a:p>
-            <a:pPr marL="0" indent="0">
-              <a:buNone/>
-            </a:pPr>
-            <a:endParaRPr lang="en-IN" sz="2000" dirty="0">
-              <a:latin typeface="Times New Roman" panose="02020603050405020304" pitchFamily="18" charset="0"/>
-              <a:cs typeface="Times New Roman" panose="02020603050405020304" pitchFamily="18" charset="0"/>
-            </a:endParaRPr>
-          </a:p>
-          <a:p>
-            <a:pPr marL="0" indent="0">
-              <a:buNone/>
-            </a:pPr>
-            <a:endParaRPr lang="en-IN" sz="2000" dirty="0">
-              <a:latin typeface="Times New Roman" panose="02020603050405020304" pitchFamily="18" charset="0"/>
-              <a:cs typeface="Times New Roman" panose="02020603050405020304" pitchFamily="18" charset="0"/>
-            </a:endParaRPr>
+            <a:endParaRPr lang="en-IN" dirty="0"/>
           </a:p>
         </p:txBody>
       </p:sp>
@@ -23452,7 +23642,7 @@
           <p:cNvPr id="3" name="Text Placeholder 2">
             <a:extLst>
               <a:ext uri="{FF2B5EF4-FFF2-40B4-BE49-F238E27FC236}">
-                <a16:creationId xmlns:a16="http://schemas.microsoft.com/office/drawing/2014/main" id="{71A2F9B4-B046-4A85-82C0-746E09DDB3B5}"/>
+                <a16:creationId xmlns:a16="http://schemas.microsoft.com/office/drawing/2014/main" id="{FA6AB305-8CF9-4DDE-A4A4-C0F1CEE0E67E}"/>
               </a:ext>
             </a:extLst>
           </p:cNvPr>
@@ -23463,14 +23653,19 @@
             <p:ph type="body" sz="quarter" idx="20"/>
           </p:nvPr>
         </p:nvSpPr>
-        <p:spPr/>
+        <p:spPr>
+          <a:xfrm>
+            <a:off x="2060729" y="134418"/>
+            <a:ext cx="9374187" cy="587375"/>
+          </a:xfrm>
+        </p:spPr>
         <p:txBody>
           <a:bodyPr/>
           <a:lstStyle/>
           <a:p>
             <a:r>
               <a:rPr lang="en-IN" dirty="0"/>
-              <a:t>Examples</a:t>
+              <a:t>How to parse JSON data</a:t>
             </a:r>
           </a:p>
         </p:txBody>
@@ -23478,7 +23673,7 @@
     </p:spTree>
     <p:extLst>
       <p:ext uri="{BB962C8B-B14F-4D97-AF65-F5344CB8AC3E}">
-        <p14:creationId xmlns:p14="http://schemas.microsoft.com/office/powerpoint/2010/main" val="523166438"/>
+        <p14:creationId xmlns:p14="http://schemas.microsoft.com/office/powerpoint/2010/main" val="308952077"/>
       </p:ext>
     </p:extLst>
   </p:cSld>
@@ -23510,7 +23705,7 @@
           <p:cNvPr id="2" name="Text Placeholder 1">
             <a:extLst>
               <a:ext uri="{FF2B5EF4-FFF2-40B4-BE49-F238E27FC236}">
-                <a16:creationId xmlns:a16="http://schemas.microsoft.com/office/drawing/2014/main" id="{D188D075-3ADC-4CCC-A276-54DE24DDC34F}"/>
+                <a16:creationId xmlns:a16="http://schemas.microsoft.com/office/drawing/2014/main" id="{93C6110C-11F8-4012-ADC3-EE435C21436D}"/>
               </a:ext>
             </a:extLst>
           </p:cNvPr>
@@ -23521,10 +23716,15 @@
             <p:ph type="body" sz="quarter" idx="16"/>
           </p:nvPr>
         </p:nvSpPr>
-        <p:spPr/>
+        <p:spPr>
+          <a:xfrm>
+            <a:off x="1969423" y="1005401"/>
+            <a:ext cx="9472612" cy="5203376"/>
+          </a:xfrm>
+        </p:spPr>
         <p:txBody>
           <a:bodyPr>
-            <a:normAutofit/>
+            <a:noAutofit/>
           </a:bodyPr>
           <a:lstStyle/>
           <a:p>
@@ -23533,7 +23733,90 @@
                 <a:latin typeface="Times New Roman" panose="02020603050405020304" pitchFamily="18" charset="0"/>
                 <a:cs typeface="Times New Roman" panose="02020603050405020304" pitchFamily="18" charset="0"/>
               </a:rPr>
-              <a:t>JSON string can be parsed in C. Here we use cJSON library to parse JSON in C/C++.</a:t>
+              <a:t>As part of research, I have used </a:t>
+            </a:r>
+            <a:r>
+              <a:rPr lang="en-IN" sz="2000" dirty="0">
+                <a:latin typeface="Times New Roman" panose="02020603050405020304" pitchFamily="18" charset="0"/>
+                <a:cs typeface="Times New Roman" panose="02020603050405020304" pitchFamily="18" charset="0"/>
+                <a:hlinkClick r:id="rId2"/>
+              </a:rPr>
+              <a:t>cJSON</a:t>
+            </a:r>
+            <a:r>
+              <a:rPr lang="en-IN" sz="2000" dirty="0">
+                <a:latin typeface="Times New Roman" panose="02020603050405020304" pitchFamily="18" charset="0"/>
+                <a:cs typeface="Times New Roman" panose="02020603050405020304" pitchFamily="18" charset="0"/>
+              </a:rPr>
+              <a:t> library for parsing JSON data in c/c++ .</a:t>
+            </a:r>
+          </a:p>
+          <a:p>
+            <a:r>
+              <a:rPr lang="en-IN" sz="2000" dirty="0">
+                <a:latin typeface="Times New Roman" panose="02020603050405020304" pitchFamily="18" charset="0"/>
+                <a:cs typeface="Times New Roman" panose="02020603050405020304" pitchFamily="18" charset="0"/>
+              </a:rPr>
+              <a:t>For c++ specific, </a:t>
+            </a:r>
+            <a:r>
+              <a:rPr lang="en-IN" sz="2000" dirty="0" err="1">
+                <a:latin typeface="Times New Roman" panose="02020603050405020304" pitchFamily="18" charset="0"/>
+                <a:cs typeface="Times New Roman" panose="02020603050405020304" pitchFamily="18" charset="0"/>
+                <a:hlinkClick r:id="rId3"/>
+              </a:rPr>
+              <a:t>nlohmann</a:t>
+            </a:r>
+            <a:r>
+              <a:rPr lang="en-IN" sz="2000" dirty="0">
+                <a:latin typeface="Times New Roman" panose="02020603050405020304" pitchFamily="18" charset="0"/>
+                <a:cs typeface="Times New Roman" panose="02020603050405020304" pitchFamily="18" charset="0"/>
+              </a:rPr>
+              <a:t> library can also be used.</a:t>
+            </a:r>
+          </a:p>
+          <a:p>
+            <a:r>
+              <a:rPr lang="en-IN" sz="2000" dirty="0">
+                <a:latin typeface="Times New Roman" panose="02020603050405020304" pitchFamily="18" charset="0"/>
+                <a:cs typeface="Times New Roman" panose="02020603050405020304" pitchFamily="18" charset="0"/>
+              </a:rPr>
+              <a:t>In case of Python, we import the library using the following command</a:t>
+            </a:r>
+          </a:p>
+          <a:p>
+            <a:pPr marL="0" indent="0">
+              <a:buNone/>
+            </a:pPr>
+            <a:r>
+              <a:rPr lang="en-IN" sz="2000" b="1" u="sng" dirty="0">
+                <a:latin typeface="Times New Roman" panose="02020603050405020304" pitchFamily="18" charset="0"/>
+                <a:cs typeface="Times New Roman" panose="02020603050405020304" pitchFamily="18" charset="0"/>
+              </a:rPr>
+              <a:t>“import json”</a:t>
+            </a:r>
+          </a:p>
+          <a:p>
+            <a:r>
+              <a:rPr lang="en-IN" sz="2000" dirty="0">
+                <a:latin typeface="Times New Roman" panose="02020603050405020304" pitchFamily="18" charset="0"/>
+                <a:cs typeface="Times New Roman" panose="02020603050405020304" pitchFamily="18" charset="0"/>
+                <a:hlinkClick r:id="rId4"/>
+              </a:rPr>
+              <a:t>Here is the link to all the examples related to JSON in c/c++ and Python.</a:t>
+            </a:r>
+            <a:endParaRPr lang="en-IN" sz="2000" dirty="0">
+              <a:latin typeface="Times New Roman" panose="02020603050405020304" pitchFamily="18" charset="0"/>
+              <a:cs typeface="Times New Roman" panose="02020603050405020304" pitchFamily="18" charset="0"/>
+            </a:endParaRPr>
+          </a:p>
+          <a:p>
+            <a:r>
+              <a:rPr lang="en-IN" sz="2000" dirty="0">
+                <a:latin typeface="Times New Roman" panose="02020603050405020304" pitchFamily="18" charset="0"/>
+                <a:cs typeface="Times New Roman" panose="02020603050405020304" pitchFamily="18" charset="0"/>
+              </a:rPr>
+              <a:t>They are explained in detail</a:t>
             </a:r>
           </a:p>
           <a:p>
@@ -23546,20 +23829,6 @@
             </a:endParaRPr>
           </a:p>
           <a:p>
-            <a:r>
-              <a:rPr lang="en-IN" sz="2000" dirty="0">
-                <a:latin typeface="Times New Roman" panose="02020603050405020304" pitchFamily="18" charset="0"/>
-                <a:cs typeface="Times New Roman" panose="02020603050405020304" pitchFamily="18" charset="0"/>
-                <a:hlinkClick r:id="rId2"/>
-              </a:rPr>
-              <a:t>Here you find all the source codes</a:t>
-            </a:r>
-            <a:endParaRPr lang="en-IN" sz="2000" dirty="0">
-              <a:latin typeface="Times New Roman" panose="02020603050405020304" pitchFamily="18" charset="0"/>
-              <a:cs typeface="Times New Roman" panose="02020603050405020304" pitchFamily="18" charset="0"/>
-            </a:endParaRPr>
-          </a:p>
-          <a:p>
             <a:pPr marL="0" indent="0">
               <a:buNone/>
             </a:pPr>
@@ -23568,7 +23837,129 @@
                 <a:latin typeface="Times New Roman" panose="02020603050405020304" pitchFamily="18" charset="0"/>
                 <a:cs typeface="Times New Roman" panose="02020603050405020304" pitchFamily="18" charset="0"/>
               </a:rPr>
-              <a:t>There are 3 files in this folder. These are explained in the upcoming slides</a:t>
+              <a:t>Important:-</a:t>
+            </a:r>
+          </a:p>
+          <a:p>
+            <a:pPr marL="0" indent="0">
+              <a:buNone/>
+            </a:pPr>
+            <a:r>
+              <a:rPr lang="en-US" altLang="en-US" sz="2000" dirty="0" err="1">
+                <a:solidFill>
+                  <a:srgbClr val="172B4D"/>
+                </a:solidFill>
+                <a:latin typeface="Times New Roman" panose="02020603050405020304" pitchFamily="18" charset="0"/>
+                <a:cs typeface="Times New Roman" panose="02020603050405020304" pitchFamily="18" charset="0"/>
+              </a:rPr>
+              <a:t>cJSON</a:t>
+            </a:r>
+            <a:r>
+              <a:rPr lang="en-US" altLang="en-US" sz="2000" dirty="0">
+                <a:solidFill>
+                  <a:srgbClr val="172B4D"/>
+                </a:solidFill>
+                <a:latin typeface="Times New Roman" panose="02020603050405020304" pitchFamily="18" charset="0"/>
+                <a:cs typeface="Times New Roman" panose="02020603050405020304" pitchFamily="18" charset="0"/>
+              </a:rPr>
+              <a:t> is written in </a:t>
+            </a:r>
+            <a:r>
+              <a:rPr lang="en-US" altLang="en-US" sz="2000" b="1" dirty="0">
+                <a:solidFill>
+                  <a:srgbClr val="172B4D"/>
+                </a:solidFill>
+                <a:latin typeface="Times New Roman" panose="02020603050405020304" pitchFamily="18" charset="0"/>
+                <a:cs typeface="Times New Roman" panose="02020603050405020304" pitchFamily="18" charset="0"/>
+              </a:rPr>
+              <a:t>ANSI C</a:t>
+            </a:r>
+            <a:r>
+              <a:rPr lang="en-US" altLang="en-US" sz="2000" dirty="0">
+                <a:solidFill>
+                  <a:srgbClr val="172B4D"/>
+                </a:solidFill>
+                <a:latin typeface="Times New Roman" panose="02020603050405020304" pitchFamily="18" charset="0"/>
+                <a:cs typeface="Times New Roman" panose="02020603050405020304" pitchFamily="18" charset="0"/>
+              </a:rPr>
+              <a:t> (or C89, C90). If your compiler or C library doesn't follow this standard, correct behavior is not guaranteed.</a:t>
+            </a:r>
+            <a:endParaRPr lang="en-US" altLang="en-US" sz="2000" dirty="0">
+              <a:latin typeface="Times New Roman" panose="02020603050405020304" pitchFamily="18" charset="0"/>
+              <a:cs typeface="Times New Roman" panose="02020603050405020304" pitchFamily="18" charset="0"/>
+            </a:endParaRPr>
+          </a:p>
+          <a:p>
+            <a:pPr marL="0" indent="0">
+              <a:buNone/>
+            </a:pPr>
+            <a:endParaRPr lang="en-US" altLang="en-US" sz="2000" b="1" dirty="0">
+              <a:solidFill>
+                <a:srgbClr val="172B4D"/>
+              </a:solidFill>
+              <a:latin typeface="Times New Roman" panose="02020603050405020304" pitchFamily="18" charset="0"/>
+              <a:cs typeface="Times New Roman" panose="02020603050405020304" pitchFamily="18" charset="0"/>
+            </a:endParaRPr>
+          </a:p>
+          <a:p>
+            <a:pPr marL="0" indent="0">
+              <a:buNone/>
+            </a:pPr>
+            <a:r>
+              <a:rPr lang="en-US" altLang="en-US" sz="2000" b="1" dirty="0">
+                <a:solidFill>
+                  <a:srgbClr val="172B4D"/>
+                </a:solidFill>
+                <a:latin typeface="Times New Roman" panose="02020603050405020304" pitchFamily="18" charset="0"/>
+                <a:cs typeface="Times New Roman" panose="02020603050405020304" pitchFamily="18" charset="0"/>
+              </a:rPr>
+              <a:t>ANSI C</a:t>
+            </a:r>
+            <a:r>
+              <a:rPr lang="en-US" altLang="en-US" sz="2000" dirty="0">
+                <a:solidFill>
+                  <a:srgbClr val="172B4D"/>
+                </a:solidFill>
+                <a:latin typeface="Times New Roman" panose="02020603050405020304" pitchFamily="18" charset="0"/>
+                <a:cs typeface="Times New Roman" panose="02020603050405020304" pitchFamily="18" charset="0"/>
+              </a:rPr>
+              <a:t> is not </a:t>
+            </a:r>
+            <a:r>
+              <a:rPr lang="en-US" altLang="en-US" sz="2000" b="1" dirty="0">
+                <a:solidFill>
+                  <a:srgbClr val="172B4D"/>
+                </a:solidFill>
+                <a:latin typeface="Times New Roman" panose="02020603050405020304" pitchFamily="18" charset="0"/>
+                <a:cs typeface="Times New Roman" panose="02020603050405020304" pitchFamily="18" charset="0"/>
+              </a:rPr>
+              <a:t>C</a:t>
+            </a:r>
+            <a:r>
+              <a:rPr lang="en-US" altLang="en-US" sz="2000" dirty="0">
+                <a:solidFill>
+                  <a:srgbClr val="172B4D"/>
+                </a:solidFill>
+                <a:latin typeface="Times New Roman" panose="02020603050405020304" pitchFamily="18" charset="0"/>
+                <a:cs typeface="Times New Roman" panose="02020603050405020304" pitchFamily="18" charset="0"/>
+              </a:rPr>
+              <a:t> therefore it shouldn't be compiled with a C++ compiler. You can compile it with a C compiler and link it with your C+ code+. </a:t>
+            </a:r>
+            <a:endParaRPr lang="en-US" altLang="en-US" sz="2000" dirty="0">
+              <a:latin typeface="Times New Roman" panose="02020603050405020304" pitchFamily="18" charset="0"/>
+              <a:cs typeface="Times New Roman" panose="02020603050405020304" pitchFamily="18" charset="0"/>
+            </a:endParaRPr>
+          </a:p>
+          <a:p>
+            <a:pPr marL="0" indent="0">
+              <a:buNone/>
+            </a:pPr>
+            <a:r>
+              <a:rPr lang="en-IN" sz="2000" dirty="0">
+                <a:latin typeface="Times New Roman" panose="02020603050405020304" pitchFamily="18" charset="0"/>
+                <a:cs typeface="Times New Roman" panose="02020603050405020304" pitchFamily="18" charset="0"/>
+              </a:rPr>
+              <a:t> </a:t>
             </a:r>
           </a:p>
           <a:p>
@@ -23581,20 +23972,6 @@
             </a:endParaRPr>
           </a:p>
           <a:p>
-            <a:r>
-              <a:rPr lang="en-IN" sz="2000" dirty="0">
-                <a:latin typeface="Times New Roman" panose="02020603050405020304" pitchFamily="18" charset="0"/>
-                <a:cs typeface="Times New Roman" panose="02020603050405020304" pitchFamily="18" charset="0"/>
-                <a:hlinkClick r:id="rId3"/>
-              </a:rPr>
-              <a:t>Here you find the library needed</a:t>
-            </a:r>
-            <a:endParaRPr lang="en-IN" sz="2000" dirty="0">
-              <a:latin typeface="Times New Roman" panose="02020603050405020304" pitchFamily="18" charset="0"/>
-              <a:cs typeface="Times New Roman" panose="02020603050405020304" pitchFamily="18" charset="0"/>
-            </a:endParaRPr>
-          </a:p>
-          <a:p>
             <a:pPr marL="0" indent="0">
               <a:buNone/>
             </a:pPr>
@@ -23603,64 +23980,6 @@
               <a:cs typeface="Times New Roman" panose="02020603050405020304" pitchFamily="18" charset="0"/>
             </a:endParaRPr>
           </a:p>
-          <a:p>
-            <a:pPr marL="0" indent="0">
-              <a:buNone/>
-            </a:pPr>
-            <a:r>
-              <a:rPr lang="en-IN" sz="2000" dirty="0">
-                <a:latin typeface="Times New Roman" panose="02020603050405020304" pitchFamily="18" charset="0"/>
-                <a:cs typeface="Times New Roman" panose="02020603050405020304" pitchFamily="18" charset="0"/>
-              </a:rPr>
-              <a:t>There are two files. They are as follows</a:t>
-            </a:r>
-          </a:p>
-          <a:p>
-            <a:r>
-              <a:rPr lang="en-IN" sz="2000" dirty="0">
-                <a:latin typeface="Times New Roman" panose="02020603050405020304" pitchFamily="18" charset="0"/>
-                <a:cs typeface="Times New Roman" panose="02020603050405020304" pitchFamily="18" charset="0"/>
-                <a:hlinkClick r:id="rId4"/>
-              </a:rPr>
-              <a:t>cJSON.h</a:t>
-            </a:r>
-            <a:r>
-              <a:rPr lang="en-IN" sz="2000" dirty="0">
-                <a:latin typeface="Times New Roman" panose="02020603050405020304" pitchFamily="18" charset="0"/>
-                <a:cs typeface="Times New Roman" panose="02020603050405020304" pitchFamily="18" charset="0"/>
-              </a:rPr>
-              <a:t>:- This is the header file which must be included in the code.	</a:t>
-            </a:r>
-          </a:p>
-          <a:p>
-            <a:r>
-              <a:rPr lang="en-IN" sz="2000" dirty="0">
-                <a:latin typeface="Times New Roman" panose="02020603050405020304" pitchFamily="18" charset="0"/>
-                <a:cs typeface="Times New Roman" panose="02020603050405020304" pitchFamily="18" charset="0"/>
-                <a:hlinkClick r:id="rId5"/>
-              </a:rPr>
-              <a:t>cJSON.c</a:t>
-            </a:r>
-            <a:r>
-              <a:rPr lang="en-IN" sz="2000" dirty="0">
-                <a:latin typeface="Times New Roman" panose="02020603050405020304" pitchFamily="18" charset="0"/>
-                <a:cs typeface="Times New Roman" panose="02020603050405020304" pitchFamily="18" charset="0"/>
-              </a:rPr>
-              <a:t>:- This file must be included in the project file and it has to be used when compiling. If not used, the compiler throws an error.</a:t>
-            </a:r>
-          </a:p>
-          <a:p>
-            <a:pPr marL="0" indent="0">
-              <a:buNone/>
-            </a:pPr>
-            <a:r>
-              <a:rPr lang="en-IN" sz="2000" dirty="0">
-                <a:latin typeface="Times New Roman" panose="02020603050405020304" pitchFamily="18" charset="0"/>
-                <a:cs typeface="Times New Roman" panose="02020603050405020304" pitchFamily="18" charset="0"/>
-              </a:rPr>
-              <a:t>The examples are explained in the next slides</a:t>
-            </a:r>
-          </a:p>
         </p:txBody>
       </p:sp>
       <p:sp>
@@ -23668,7 +23987,7 @@
           <p:cNvPr id="3" name="Text Placeholder 2">
             <a:extLst>
               <a:ext uri="{FF2B5EF4-FFF2-40B4-BE49-F238E27FC236}">
-                <a16:creationId xmlns:a16="http://schemas.microsoft.com/office/drawing/2014/main" id="{B5BABBEF-D70B-44F8-98A3-933A27E760C5}"/>
+                <a16:creationId xmlns:a16="http://schemas.microsoft.com/office/drawing/2014/main" id="{71A2F9B4-B046-4A85-82C0-746E09DDB3B5}"/>
               </a:ext>
             </a:extLst>
           </p:cNvPr>
@@ -23686,7 +24005,7 @@
           <a:p>
             <a:r>
               <a:rPr lang="en-IN" dirty="0"/>
-              <a:t>JSON parsing in C/C++</a:t>
+              <a:t>Examples</a:t>
             </a:r>
           </a:p>
         </p:txBody>
@@ -23694,7 +24013,7 @@
     </p:spTree>
     <p:extLst>
       <p:ext uri="{BB962C8B-B14F-4D97-AF65-F5344CB8AC3E}">
-        <p14:creationId xmlns:p14="http://schemas.microsoft.com/office/powerpoint/2010/main" val="3029005855"/>
+        <p14:creationId xmlns:p14="http://schemas.microsoft.com/office/powerpoint/2010/main" val="523166438"/>
       </p:ext>
     </p:extLst>
   </p:cSld>
@@ -23726,7 +24045,7 @@
           <p:cNvPr id="2" name="Text Placeholder 1">
             <a:extLst>
               <a:ext uri="{FF2B5EF4-FFF2-40B4-BE49-F238E27FC236}">
-                <a16:creationId xmlns:a16="http://schemas.microsoft.com/office/drawing/2014/main" id="{1BE51DD1-794E-4263-91A1-531423990E61}"/>
+                <a16:creationId xmlns:a16="http://schemas.microsoft.com/office/drawing/2014/main" id="{D188D075-3ADC-4CCC-A276-54DE24DDC34F}"/>
               </a:ext>
             </a:extLst>
           </p:cNvPr>
@@ -23744,15 +24063,12 @@
           </a:bodyPr>
           <a:lstStyle/>
           <a:p>
-            <a:pPr marL="0" indent="0">
-              <a:buNone/>
-            </a:pPr>
             <a:r>
               <a:rPr lang="en-IN" sz="2000" dirty="0">
                 <a:latin typeface="Times New Roman" panose="02020603050405020304" pitchFamily="18" charset="0"/>
                 <a:cs typeface="Times New Roman" panose="02020603050405020304" pitchFamily="18" charset="0"/>
               </a:rPr>
-              <a:t>There are 3 examples. They are as follows</a:t>
+              <a:t>JSON string can be parsed in C. Here we use cJSON library to parse JSON in C/C++.</a:t>
             </a:r>
           </a:p>
           <a:p>
@@ -23762,7 +24078,7 @@
                 <a:cs typeface="Times New Roman" panose="02020603050405020304" pitchFamily="18" charset="0"/>
                 <a:hlinkClick r:id="rId2"/>
               </a:rPr>
-              <a:t>test.cpp</a:t>
+              <a:t>Here you find all the source codes</a:t>
             </a:r>
             <a:endParaRPr lang="en-IN" sz="2000" dirty="0">
               <a:latin typeface="Times New Roman" panose="02020603050405020304" pitchFamily="18" charset="0"/>
@@ -23773,109 +24089,84 @@
             <a:pPr marL="0" indent="0">
               <a:buNone/>
             </a:pPr>
+            <a:r>
+              <a:rPr lang="en-IN" sz="2000" dirty="0">
+                <a:latin typeface="Times New Roman" panose="02020603050405020304" pitchFamily="18" charset="0"/>
+                <a:cs typeface="Times New Roman" panose="02020603050405020304" pitchFamily="18" charset="0"/>
+              </a:rPr>
+              <a:t>There are 3 files in this folder. These are explained in the upcoming slides</a:t>
+            </a:r>
+          </a:p>
+          <a:p>
+            <a:r>
+              <a:rPr lang="en-IN" sz="2000" dirty="0">
+                <a:latin typeface="Times New Roman" panose="02020603050405020304" pitchFamily="18" charset="0"/>
+                <a:cs typeface="Times New Roman" panose="02020603050405020304" pitchFamily="18" charset="0"/>
+                <a:hlinkClick r:id="rId3"/>
+              </a:rPr>
+              <a:t>Here you find the library needed</a:t>
+            </a:r>
             <a:endParaRPr lang="en-IN" sz="2000" dirty="0">
               <a:latin typeface="Times New Roman" panose="02020603050405020304" pitchFamily="18" charset="0"/>
               <a:cs typeface="Times New Roman" panose="02020603050405020304" pitchFamily="18" charset="0"/>
             </a:endParaRPr>
           </a:p>
           <a:p>
-            <a:pPr marL="514350" indent="-514350">
-              <a:buFont typeface="+mj-lt"/>
-              <a:buAutoNum type="romanUcPeriod"/>
+            <a:pPr marL="0" indent="0">
+              <a:buNone/>
             </a:pPr>
             <a:r>
               <a:rPr lang="en-IN" sz="2000" dirty="0">
                 <a:latin typeface="Times New Roman" panose="02020603050405020304" pitchFamily="18" charset="0"/>
                 <a:cs typeface="Times New Roman" panose="02020603050405020304" pitchFamily="18" charset="0"/>
               </a:rPr>
-              <a:t>In this example, there is a structure called </a:t>
-            </a:r>
-            <a:r>
-              <a:rPr lang="en-IN" sz="2000" b="1" u="sng" dirty="0" err="1">
+              <a:t>There are two files. They are as follows</a:t>
+            </a:r>
+          </a:p>
+          <a:p>
+            <a:r>
+              <a:rPr lang="en-IN" sz="2000" dirty="0">
                 <a:latin typeface="Times New Roman" panose="02020603050405020304" pitchFamily="18" charset="0"/>
                 <a:cs typeface="Times New Roman" panose="02020603050405020304" pitchFamily="18" charset="0"/>
+                <a:hlinkClick r:id="rId4"/>
               </a:rPr>
-              <a:t>Object_Parameter</a:t>
+              <a:t>cJSON.h</a:t>
             </a:r>
             <a:r>
               <a:rPr lang="en-IN" sz="2000" dirty="0">
                 <a:latin typeface="Times New Roman" panose="02020603050405020304" pitchFamily="18" charset="0"/>
                 <a:cs typeface="Times New Roman" panose="02020603050405020304" pitchFamily="18" charset="0"/>
               </a:rPr>
-              <a:t>. Using cJSON library, a JSON object is created and the values are assigned to the structure.</a:t>
-            </a:r>
-          </a:p>
-          <a:p>
-            <a:pPr marL="514350" indent="-514350">
-              <a:buFont typeface="+mj-lt"/>
-              <a:buAutoNum type="romanUcPeriod"/>
-            </a:pPr>
+              <a:t>:- This is the header file which must be included in the code.	</a:t>
+            </a:r>
+          </a:p>
+          <a:p>
+            <a:r>
+              <a:rPr lang="en-IN" sz="2000" dirty="0">
+                <a:latin typeface="Times New Roman" panose="02020603050405020304" pitchFamily="18" charset="0"/>
+                <a:cs typeface="Times New Roman" panose="02020603050405020304" pitchFamily="18" charset="0"/>
+                <a:hlinkClick r:id="rId5"/>
+              </a:rPr>
+              <a:t>cJSON.c</a:t>
+            </a:r>
             <a:r>
               <a:rPr lang="en-IN" sz="2000" dirty="0">
                 <a:latin typeface="Times New Roman" panose="02020603050405020304" pitchFamily="18" charset="0"/>
                 <a:cs typeface="Times New Roman" panose="02020603050405020304" pitchFamily="18" charset="0"/>
               </a:rPr>
-              <a:t> A function called </a:t>
-            </a:r>
-            <a:r>
-              <a:rPr lang="en-IN" sz="2000" b="1" u="sng" dirty="0" err="1">
-                <a:latin typeface="Times New Roman" panose="02020603050405020304" pitchFamily="18" charset="0"/>
-                <a:cs typeface="Times New Roman" panose="02020603050405020304" pitchFamily="18" charset="0"/>
-              </a:rPr>
-              <a:t>create_object</a:t>
-            </a:r>
-            <a:r>
-              <a:rPr lang="en-IN" sz="2000" b="1" u="sng" dirty="0">
-                <a:latin typeface="Times New Roman" panose="02020603050405020304" pitchFamily="18" charset="0"/>
-                <a:cs typeface="Times New Roman" panose="02020603050405020304" pitchFamily="18" charset="0"/>
-              </a:rPr>
-              <a:t> </a:t>
-            </a:r>
+              <a:t>:- This file must be included in the project file and it has to be used when compiling. If not used, the compiler throws an error.</a:t>
+            </a:r>
+          </a:p>
+          <a:p>
+            <a:pPr marL="0" indent="0">
+              <a:buNone/>
+            </a:pPr>
             <a:r>
               <a:rPr lang="en-IN" sz="2000" dirty="0">
                 <a:latin typeface="Times New Roman" panose="02020603050405020304" pitchFamily="18" charset="0"/>
                 <a:cs typeface="Times New Roman" panose="02020603050405020304" pitchFamily="18" charset="0"/>
               </a:rPr>
-              <a:t>is used in this case.</a:t>
-            </a:r>
-          </a:p>
-          <a:p>
-            <a:pPr marL="514350" indent="-514350">
-              <a:buFont typeface="+mj-lt"/>
-              <a:buAutoNum type="romanUcPeriod"/>
-            </a:pPr>
-            <a:r>
-              <a:rPr lang="en-IN" sz="2000" dirty="0">
-                <a:latin typeface="Times New Roman" panose="02020603050405020304" pitchFamily="18" charset="0"/>
-                <a:cs typeface="Times New Roman" panose="02020603050405020304" pitchFamily="18" charset="0"/>
-              </a:rPr>
-              <a:t>To run the file, just link this file with cJSON.c, build the project and run.</a:t>
-            </a:r>
-          </a:p>
-          <a:p>
-            <a:pPr marL="514350" indent="-514350">
-              <a:buFont typeface="+mj-lt"/>
-              <a:buAutoNum type="romanUcPeriod"/>
-            </a:pPr>
-            <a:r>
-              <a:rPr lang="en-IN" sz="2000" dirty="0">
-                <a:latin typeface="Times New Roman" panose="02020603050405020304" pitchFamily="18" charset="0"/>
-                <a:cs typeface="Times New Roman" panose="02020603050405020304" pitchFamily="18" charset="0"/>
-              </a:rPr>
-              <a:t>The data is hard-coded and it can be changed according to the structure in the code. The changes to the data can be changed in the program. </a:t>
-            </a:r>
-          </a:p>
-          <a:p>
-            <a:pPr marL="514350" indent="-514350">
-              <a:buFont typeface="+mj-lt"/>
-              <a:buAutoNum type="romanUcPeriod"/>
-            </a:pPr>
-            <a:r>
-              <a:rPr lang="en-IN" sz="2000" dirty="0">
-                <a:latin typeface="Times New Roman" panose="02020603050405020304" pitchFamily="18" charset="0"/>
-                <a:cs typeface="Times New Roman" panose="02020603050405020304" pitchFamily="18" charset="0"/>
-              </a:rPr>
-              <a:t>This file cannot be from command window (Although can be edited to run on command window).</a:t>
+              <a:t>The examples are explained in the next slides</a:t>
             </a:r>
           </a:p>
         </p:txBody>
@@ -23885,7 +24176,7 @@
           <p:cNvPr id="3" name="Text Placeholder 2">
             <a:extLst>
               <a:ext uri="{FF2B5EF4-FFF2-40B4-BE49-F238E27FC236}">
-                <a16:creationId xmlns:a16="http://schemas.microsoft.com/office/drawing/2014/main" id="{332C47DB-C3B1-4F6E-A017-0B11B54A9468}"/>
+                <a16:creationId xmlns:a16="http://schemas.microsoft.com/office/drawing/2014/main" id="{B5BABBEF-D70B-44F8-98A3-933A27E760C5}"/>
               </a:ext>
             </a:extLst>
           </p:cNvPr>
@@ -23898,28 +24189,20 @@
         </p:nvSpPr>
         <p:spPr/>
         <p:txBody>
-          <a:bodyPr>
-            <a:normAutofit fontScale="25000" lnSpcReduction="20000"/>
-          </a:bodyPr>
+          <a:bodyPr/>
           <a:lstStyle/>
           <a:p>
-            <a:endParaRPr lang="en-IN" dirty="0"/>
-          </a:p>
-          <a:p>
-            <a:r>
-              <a:rPr lang="en-IN" sz="11200" dirty="0"/>
-              <a:t>JSON parsing in C/C++ Examples</a:t>
-            </a:r>
-          </a:p>
-          <a:p>
-            <a:endParaRPr lang="en-IN" dirty="0"/>
+            <a:r>
+              <a:rPr lang="en-IN" dirty="0"/>
+              <a:t>JSON parsing in C/C++</a:t>
+            </a:r>
           </a:p>
         </p:txBody>
       </p:sp>
     </p:spTree>
     <p:extLst>
       <p:ext uri="{BB962C8B-B14F-4D97-AF65-F5344CB8AC3E}">
-        <p14:creationId xmlns:p14="http://schemas.microsoft.com/office/powerpoint/2010/main" val="812429252"/>
+        <p14:creationId xmlns:p14="http://schemas.microsoft.com/office/powerpoint/2010/main" val="3029005855"/>
       </p:ext>
     </p:extLst>
   </p:cSld>
